--- a/Real Estate.pptx
+++ b/Real Estate.pptx
@@ -13059,11 +13059,27 @@
             </a:pPr>
             <a:r>
               <a:rPr lang="en-US" dirty="0" err="1"/>
-              <a:t>Baixa</a:t>
+              <a:t>Ineficiência</a:t>
             </a:r>
             <a:r>
               <a:rPr lang="en-US" dirty="0"/>
-              <a:t> performance</a:t>
+              <a:t> (</a:t>
+            </a:r>
+            <a:r>
+              <a:rPr lang="en-US" dirty="0" err="1"/>
+              <a:t>desperdício</a:t>
+            </a:r>
+            <a:r>
+              <a:rPr lang="en-US" dirty="0"/>
+              <a:t> </a:t>
+            </a:r>
+            <a:r>
+              <a:rPr lang="en-US" dirty="0" err="1"/>
+              <a:t>energético</a:t>
+            </a:r>
+            <a:r>
+              <a:rPr lang="en-US" dirty="0"/>
+              <a:t>)</a:t>
             </a:r>
           </a:p>
           <a:p>
@@ -16642,7 +16658,7 @@
         <p:spPr>
           <a:xfrm>
             <a:off x="1282214" y="3544585"/>
-            <a:ext cx="4274049" cy="2308324"/>
+            <a:ext cx="4274049" cy="2462213"/>
           </a:xfrm>
           <a:prstGeom prst="rect">
             <a:avLst/>
@@ -16660,35 +16676,35 @@
               <a:buChar char="q"/>
             </a:pPr>
             <a:r>
-              <a:rPr lang="en-US" dirty="0" err="1"/>
+              <a:rPr lang="en-US" sz="1400" dirty="0" err="1"/>
               <a:t>Elimina</a:t>
             </a:r>
             <a:r>
-              <a:rPr lang="en-US" dirty="0"/>
+              <a:rPr lang="en-US" sz="1400" dirty="0"/>
               <a:t> a </a:t>
             </a:r>
             <a:r>
-              <a:rPr lang="en-US" dirty="0" err="1"/>
+              <a:rPr lang="en-US" sz="1400" dirty="0" err="1"/>
               <a:t>necessidade</a:t>
             </a:r>
             <a:r>
-              <a:rPr lang="en-US" dirty="0"/>
+              <a:rPr lang="en-US" sz="1400" dirty="0"/>
               <a:t> de </a:t>
             </a:r>
             <a:r>
-              <a:rPr lang="en-US" dirty="0" err="1"/>
+              <a:rPr lang="en-US" sz="1400" dirty="0" err="1"/>
               <a:t>corretores</a:t>
             </a:r>
             <a:r>
-              <a:rPr lang="en-US" dirty="0"/>
+              <a:rPr lang="en-US" sz="1400" dirty="0"/>
               <a:t> de </a:t>
             </a:r>
             <a:r>
-              <a:rPr lang="en-US" dirty="0" err="1"/>
+              <a:rPr lang="en-US" sz="1400" dirty="0" err="1"/>
               <a:t>imóveis</a:t>
             </a:r>
             <a:r>
-              <a:rPr lang="en-US" dirty="0"/>
+              <a:rPr lang="en-US" sz="1400" dirty="0"/>
               <a:t>;</a:t>
             </a:r>
           </a:p>
@@ -16698,35 +16714,35 @@
               <a:buChar char="q"/>
             </a:pPr>
             <a:r>
-              <a:rPr lang="en-US" dirty="0" err="1"/>
+              <a:rPr lang="en-US" sz="1400" dirty="0" err="1"/>
               <a:t>Elimina</a:t>
             </a:r>
             <a:r>
-              <a:rPr lang="en-US" dirty="0"/>
+              <a:rPr lang="en-US" sz="1400" dirty="0"/>
               <a:t> a </a:t>
             </a:r>
             <a:r>
-              <a:rPr lang="en-US" dirty="0" err="1"/>
+              <a:rPr lang="en-US" sz="1400" dirty="0" err="1"/>
               <a:t>necessidade</a:t>
             </a:r>
             <a:r>
-              <a:rPr lang="en-US" dirty="0"/>
+              <a:rPr lang="en-US" sz="1400" dirty="0"/>
               <a:t> de um Sistema legal e </a:t>
             </a:r>
             <a:r>
-              <a:rPr lang="en-US" dirty="0" err="1"/>
+              <a:rPr lang="en-US" sz="1400" dirty="0" err="1"/>
               <a:t>uma</a:t>
             </a:r>
             <a:r>
-              <a:rPr lang="en-US" dirty="0"/>
+              <a:rPr lang="en-US" sz="1400" dirty="0"/>
               <a:t> </a:t>
             </a:r>
             <a:r>
-              <a:rPr lang="en-US" dirty="0" err="1"/>
+              <a:rPr lang="en-US" sz="1400" dirty="0" err="1"/>
               <a:t>execução</a:t>
             </a:r>
             <a:r>
-              <a:rPr lang="en-US" dirty="0"/>
+              <a:rPr lang="en-US" sz="1400" dirty="0"/>
               <a:t> externa;</a:t>
             </a:r>
           </a:p>
@@ -16736,68 +16752,150 @@
               <a:buChar char="q"/>
             </a:pPr>
             <a:r>
-              <a:rPr lang="en-US" dirty="0" err="1"/>
+              <a:rPr lang="en-US" sz="1400" dirty="0" err="1"/>
               <a:t>Elimina</a:t>
             </a:r>
             <a:r>
-              <a:rPr lang="en-US" dirty="0"/>
+              <a:rPr lang="en-US" sz="1400" dirty="0"/>
               <a:t> o </a:t>
             </a:r>
             <a:r>
-              <a:rPr lang="en-US" dirty="0" err="1"/>
+              <a:rPr lang="en-US" sz="1400" dirty="0" err="1"/>
               <a:t>risco</a:t>
             </a:r>
             <a:r>
-              <a:rPr lang="en-US" dirty="0"/>
+              <a:rPr lang="en-US" sz="1400" dirty="0"/>
               <a:t> do </a:t>
             </a:r>
             <a:r>
-              <a:rPr lang="en-US" dirty="0" err="1"/>
+              <a:rPr lang="en-US" sz="1400" dirty="0" err="1"/>
               <a:t>vendedor</a:t>
             </a:r>
             <a:r>
-              <a:rPr lang="en-US" dirty="0"/>
+              <a:rPr lang="en-US" sz="1400" dirty="0"/>
               <a:t> </a:t>
             </a:r>
             <a:r>
-              <a:rPr lang="en-US" dirty="0" err="1"/>
+              <a:rPr lang="en-US" sz="1400" dirty="0" err="1"/>
               <a:t>ficar</a:t>
             </a:r>
             <a:r>
-              <a:rPr lang="en-US" dirty="0"/>
+              <a:rPr lang="en-US" sz="1400" dirty="0"/>
               <a:t> com o </a:t>
             </a:r>
             <a:r>
-              <a:rPr lang="en-US" dirty="0" err="1"/>
+              <a:rPr lang="en-US" sz="1400" dirty="0" err="1"/>
               <a:t>pagamento</a:t>
             </a:r>
             <a:r>
-              <a:rPr lang="en-US" dirty="0"/>
+              <a:rPr lang="en-US" sz="1400" dirty="0"/>
               <a:t> e o </a:t>
             </a:r>
             <a:r>
-              <a:rPr lang="en-US" dirty="0" err="1"/>
+              <a:rPr lang="en-US" sz="1400" dirty="0" err="1"/>
               <a:t>título</a:t>
             </a:r>
             <a:r>
-              <a:rPr lang="en-US" dirty="0"/>
+              <a:rPr lang="en-US" sz="1400" dirty="0"/>
               <a:t> da casa </a:t>
             </a:r>
             <a:r>
-              <a:rPr lang="en-US" dirty="0" err="1"/>
+              <a:rPr lang="en-US" sz="1400" dirty="0" err="1"/>
               <a:t>ao</a:t>
             </a:r>
             <a:r>
-              <a:rPr lang="en-US" dirty="0"/>
+              <a:rPr lang="en-US" sz="1400" dirty="0"/>
               <a:t> </a:t>
             </a:r>
             <a:r>
-              <a:rPr lang="en-US" dirty="0" err="1"/>
+              <a:rPr lang="en-US" sz="1400" dirty="0" err="1"/>
               <a:t>mesmo</a:t>
             </a:r>
             <a:r>
-              <a:rPr lang="en-US" dirty="0"/>
-              <a:t> tempo.</a:t>
+              <a:rPr lang="en-US" sz="1400" dirty="0"/>
+              <a:t> tempo;</a:t>
+            </a:r>
+          </a:p>
+          <a:p>
+            <a:pPr marL="285750" indent="-285750">
+              <a:buFont typeface="Wingdings" panose="05000000000000000000" pitchFamily="2" charset="2"/>
+              <a:buChar char="q"/>
+            </a:pPr>
+            <a:r>
+              <a:rPr lang="en-US" sz="1400" dirty="0" err="1"/>
+              <a:t>Maior</a:t>
+            </a:r>
+            <a:r>
+              <a:rPr lang="en-US" sz="1400" dirty="0"/>
+              <a:t> </a:t>
+            </a:r>
+            <a:r>
+              <a:rPr lang="en-US" sz="1400" dirty="0" err="1"/>
+              <a:t>liquidez</a:t>
+            </a:r>
+            <a:r>
+              <a:rPr lang="en-US" sz="1400" dirty="0"/>
+              <a:t>;</a:t>
+            </a:r>
+          </a:p>
+          <a:p>
+            <a:pPr marL="285750" indent="-285750">
+              <a:buFont typeface="Wingdings" panose="05000000000000000000" pitchFamily="2" charset="2"/>
+              <a:buChar char="q"/>
+            </a:pPr>
+            <a:r>
+              <a:rPr lang="en-US" sz="1400" dirty="0" err="1"/>
+              <a:t>Compra</a:t>
+            </a:r>
+            <a:r>
+              <a:rPr lang="en-US" sz="1400" dirty="0"/>
+              <a:t> de </a:t>
+            </a:r>
+            <a:r>
+              <a:rPr lang="en-US" sz="1400" dirty="0" err="1"/>
+              <a:t>imóveis</a:t>
+            </a:r>
+            <a:r>
+              <a:rPr lang="en-US" sz="1400" dirty="0"/>
+              <a:t> for a do </a:t>
+            </a:r>
+            <a:r>
+              <a:rPr lang="en-US" sz="1400" dirty="0" err="1"/>
+              <a:t>país</a:t>
+            </a:r>
+            <a:r>
+              <a:rPr lang="en-US" sz="1400" dirty="0"/>
+              <a:t>;</a:t>
+            </a:r>
+          </a:p>
+          <a:p>
+            <a:pPr marL="285750" indent="-285750">
+              <a:buFont typeface="Wingdings" panose="05000000000000000000" pitchFamily="2" charset="2"/>
+              <a:buChar char="q"/>
+            </a:pPr>
+            <a:r>
+              <a:rPr lang="en-US" sz="1400" dirty="0" err="1"/>
+              <a:t>Transferência</a:t>
+            </a:r>
+            <a:r>
+              <a:rPr lang="en-US" sz="1400" dirty="0"/>
+              <a:t> fora do </a:t>
+            </a:r>
+            <a:r>
+              <a:rPr lang="en-US" sz="1400" dirty="0" err="1"/>
+              <a:t>horário</a:t>
+            </a:r>
+            <a:r>
+              <a:rPr lang="en-US" sz="1400" dirty="0"/>
+              <a:t> de </a:t>
+            </a:r>
+            <a:r>
+              <a:rPr lang="en-US" sz="1400" dirty="0" err="1"/>
+              <a:t>funcionamento</a:t>
+            </a:r>
+            <a:r>
+              <a:rPr lang="en-US" sz="1400" dirty="0"/>
+              <a:t> do mercado.</a:t>
             </a:r>
           </a:p>
         </p:txBody>
@@ -17744,10 +17842,25 @@
               <a:buChar char="q"/>
             </a:pPr>
             <a:r>
-              <a:rPr lang="en-US" sz="1600" dirty="0"/>
-              <a:t> https://drive.google.com/file/d/1fiGGw8dmtRou5BHQT8_5W0ACKkC4gS3z/view?usp=sharing</a:t>
-            </a:r>
-            <a:endParaRPr lang="en-US" sz="1400" dirty="0"/>
+              <a:rPr lang="en-US" sz="1600" dirty="0">
+                <a:hlinkClick r:id="rId2"/>
+              </a:rPr>
+              <a:t>https://drive.google.com/file/d/1fiGGw8dmtRou5BHQT8_5W0ACKkC4gS3z/view?usp=sharing</a:t>
+            </a:r>
+            <a:endParaRPr lang="en-US" sz="1600" dirty="0"/>
+          </a:p>
+          <a:p>
+            <a:pPr>
+              <a:buFont typeface="Wingdings" panose="05000000000000000000" pitchFamily="2" charset="2"/>
+              <a:buChar char="q"/>
+            </a:pPr>
+            <a:r>
+              <a:rPr lang="en-US" sz="1600" dirty="0">
+                <a:hlinkClick r:id="rId3"/>
+              </a:rPr>
+              <a:t>https://drive.google.com/file/d/1_YH4v4aPtDTG7tLr_1-2VbWdJpwAt3re/view?usp=sharing</a:t>
+            </a:r>
+            <a:endParaRPr lang="en-US" sz="1600" dirty="0"/>
           </a:p>
         </p:txBody>
       </p:sp>

--- a/Real Estate.pptx
+++ b/Real Estate.pptx
@@ -13041,7 +13041,7 @@
             </a:pPr>
             <a:r>
               <a:rPr lang="en-US" dirty="0" err="1"/>
-              <a:t>Robústo</a:t>
+              <a:t>Robusto</a:t>
             </a:r>
             <a:endParaRPr lang="en-US" dirty="0"/>
           </a:p>

--- a/Real Estate.pptx
+++ b/Real Estate.pptx
@@ -16857,7 +16857,7 @@
             </a:r>
             <a:r>
               <a:rPr lang="en-US" sz="1400" dirty="0"/>
-              <a:t> for a do </a:t>
+              <a:t> fora do </a:t>
             </a:r>
             <a:r>
               <a:rPr lang="en-US" sz="1400" dirty="0" err="1"/>
